--- a/Document/DOC_source/ppt/COMP_Project_ppt.pptx
+++ b/Document/DOC_source/ppt/COMP_Project_ppt.pptx
@@ -8816,8 +8816,8 @@
         </p:blipFill>
         <p:spPr>
           <a:xfrm>
-            <a:off x="1080000" y="1620000"/>
-            <a:ext cx="6761739" cy="4320000"/>
+            <a:off x="1097831" y="1620000"/>
+            <a:ext cx="6726076" cy="4320000"/>
           </a:xfrm>
           <a:prstGeom prst="rect">
             <a:avLst/>
@@ -33474,7 +33474,15 @@
                   <a:schemeClr val="bg1"/>
                 </a:solidFill>
               </a:rPr>
-              <a:t>입력된 제품 정보를 </a:t>
+              <a:t>입력된 제품 정보를 등록</a:t>
+            </a:r>
+            <a:r>
+              <a:rPr lang="en-US" altLang="ko-KR" sz="1200" b="1" dirty="0" smtClean="0">
+                <a:solidFill>
+                  <a:schemeClr val="bg1"/>
+                </a:solidFill>
+              </a:rPr>
+              <a:t>,</a:t>
             </a:r>
             <a:r>
               <a:rPr lang="ko-KR" altLang="en-US" sz="1200" b="1" dirty="0" smtClean="0">
@@ -33482,7 +33490,7 @@
                   <a:schemeClr val="bg1"/>
                 </a:solidFill>
               </a:rPr>
-              <a:t>등록</a:t>
+              <a:t>수정</a:t>
             </a:r>
             <a:r>
               <a:rPr lang="en-US" altLang="ko-KR" sz="1200" b="1" dirty="0" smtClean="0">
@@ -33492,27 +33500,6 @@
               </a:rPr>
               <a:t>,</a:t>
             </a:r>
-            <a:r>
-              <a:rPr lang="ko-KR" altLang="en-US" sz="1200" b="1" dirty="0" smtClean="0">
-                <a:solidFill>
-                  <a:schemeClr val="bg1"/>
-                </a:solidFill>
-              </a:rPr>
-              <a:t>수정</a:t>
-            </a:r>
-            <a:r>
-              <a:rPr lang="en-US" altLang="ko-KR" sz="1200" b="1" dirty="0" smtClean="0">
-                <a:solidFill>
-                  <a:schemeClr val="bg1"/>
-                </a:solidFill>
-              </a:rPr>
-              <a:t>,</a:t>
-            </a:r>
-            <a:endParaRPr lang="en-US" altLang="ko-KR" sz="1200" b="1" dirty="0" smtClean="0">
-              <a:solidFill>
-                <a:schemeClr val="bg1"/>
-              </a:solidFill>
-            </a:endParaRPr>
           </a:p>
           <a:p>
             <a:pPr algn="ctr"/>
@@ -33768,23 +33755,7 @@
                   <a:schemeClr val="bg1"/>
                 </a:solidFill>
               </a:rPr>
-              <a:t>선택한 제품 </a:t>
-            </a:r>
-            <a:r>
-              <a:rPr lang="ko-KR" altLang="en-US" sz="1200" b="1" dirty="0" smtClean="0">
-                <a:solidFill>
-                  <a:schemeClr val="bg1"/>
-                </a:solidFill>
-              </a:rPr>
-              <a:t>정보가 </a:t>
-            </a:r>
-            <a:r>
-              <a:rPr lang="ko-KR" altLang="en-US" sz="1200" b="1" dirty="0" smtClean="0">
-                <a:solidFill>
-                  <a:schemeClr val="bg1"/>
-                </a:solidFill>
-              </a:rPr>
-              <a:t>자동으로</a:t>
+              <a:t>선택한 제품 정보가 자동으로</a:t>
             </a:r>
             <a:endParaRPr lang="en-US" altLang="ko-KR" sz="1200" b="1" dirty="0" smtClean="0">
               <a:solidFill>
@@ -39214,15 +39185,7 @@
                   <a:schemeClr val="bg1"/>
                 </a:solidFill>
               </a:rPr>
-              <a:t>등록 </a:t>
-            </a:r>
-            <a:r>
-              <a:rPr lang="ko-KR" altLang="en-US" sz="1200" b="1" dirty="0" smtClean="0">
-                <a:solidFill>
-                  <a:schemeClr val="bg1"/>
-                </a:solidFill>
-              </a:rPr>
-              <a:t>수정</a:t>
+              <a:t>등록 수정</a:t>
             </a:r>
             <a:r>
               <a:rPr lang="en-US" altLang="ko-KR" sz="1200" b="1" dirty="0" smtClean="0">
@@ -41238,15 +41201,7 @@
                   <a:schemeClr val="bg1"/>
                 </a:solidFill>
               </a:rPr>
-              <a:t>선택한 주문의 거래 </a:t>
-            </a:r>
-            <a:r>
-              <a:rPr lang="ko-KR" altLang="en-US" sz="1200" b="1" dirty="0" smtClean="0">
-                <a:solidFill>
-                  <a:schemeClr val="bg1"/>
-                </a:solidFill>
-              </a:rPr>
-              <a:t>구분을 </a:t>
+              <a:t>선택한 주문의 거래 구분을 </a:t>
             </a:r>
             <a:endParaRPr lang="en-US" altLang="ko-KR" sz="1200" b="1" dirty="0" smtClean="0">
               <a:solidFill>
@@ -41329,15 +41284,7 @@
                   <a:schemeClr val="bg1"/>
                 </a:solidFill>
               </a:rPr>
-              <a:t>그리고 </a:t>
-            </a:r>
-            <a:r>
-              <a:rPr lang="ko-KR" altLang="en-US" sz="1200" b="1" dirty="0" smtClean="0">
-                <a:solidFill>
-                  <a:schemeClr val="bg1"/>
-                </a:solidFill>
-              </a:rPr>
-              <a:t>고객에게 처리 결과에 </a:t>
+              <a:t>그리고 고객에게 처리 결과에 </a:t>
             </a:r>
             <a:endParaRPr lang="en-US" altLang="ko-KR" sz="1200" b="1" dirty="0" smtClean="0">
               <a:solidFill>
@@ -41353,15 +41300,7 @@
                   <a:schemeClr val="bg1"/>
                 </a:solidFill>
               </a:rPr>
-              <a:t>대한 </a:t>
-            </a:r>
-            <a:r>
-              <a:rPr lang="ko-KR" altLang="en-US" sz="1200" b="1" dirty="0" smtClean="0">
-                <a:solidFill>
-                  <a:schemeClr val="bg1"/>
-                </a:solidFill>
-              </a:rPr>
-              <a:t>안내 메일을 보낸다</a:t>
+              <a:t>대한 안내 메일을 보낸다</a:t>
             </a:r>
             <a:r>
               <a:rPr lang="en-US" altLang="ko-KR" sz="1200" b="1" dirty="0" smtClean="0">
@@ -43398,11 +43337,6 @@
               </a:rPr>
               <a:t>.</a:t>
             </a:r>
-            <a:endParaRPr lang="en-US" altLang="ko-KR" sz="1200" b="1" dirty="0" smtClean="0">
-              <a:solidFill>
-                <a:schemeClr val="bg1"/>
-              </a:solidFill>
-            </a:endParaRPr>
           </a:p>
         </p:txBody>
       </p:sp>
@@ -52327,39 +52261,7 @@
                 </a:solidFill>
                 <a:latin typeface="+mn-ea"/>
               </a:rPr>
-              <a:t>고객은 제품 리스트에 있는 제품을 선택한 </a:t>
-            </a:r>
-            <a:r>
-              <a:rPr lang="ko-KR" altLang="en-US" sz="1600" dirty="0" smtClean="0">
-                <a:ln>
-                  <a:solidFill>
-                    <a:schemeClr val="tx1">
-                      <a:alpha val="30000"/>
-                    </a:schemeClr>
-                  </a:solidFill>
-                </a:ln>
-                <a:solidFill>
-                  <a:srgbClr val="272123"/>
-                </a:solidFill>
-                <a:latin typeface="+mn-ea"/>
-              </a:rPr>
-              <a:t>후 가입한 아이디를 사용해서 </a:t>
-            </a:r>
-            <a:r>
-              <a:rPr lang="ko-KR" altLang="en-US" sz="1600" dirty="0" smtClean="0">
-                <a:ln>
-                  <a:solidFill>
-                    <a:schemeClr val="tx1">
-                      <a:alpha val="30000"/>
-                    </a:schemeClr>
-                  </a:solidFill>
-                </a:ln>
-                <a:solidFill>
-                  <a:srgbClr val="272123"/>
-                </a:solidFill>
-                <a:latin typeface="+mn-ea"/>
-              </a:rPr>
-              <a:t>주문 신청을 하면 주문이 이루어진다</a:t>
+              <a:t>고객은 제품 리스트에 있는 제품을 선택한 후 가입한 아이디를 사용해서 주문 신청을 하면 주문이 이루어진다</a:t>
             </a:r>
             <a:r>
               <a:rPr lang="en-US" altLang="ko-KR" sz="1600" dirty="0" smtClean="0">
